--- a/Parameter Estimation Works/SERVO FAULT MATH MDL/flowchart_servo_fault.pptx
+++ b/Parameter Estimation Works/SERVO FAULT MATH MDL/flowchart_servo_fault.pptx
@@ -199,7 +199,7 @@
             <a:fld id="{6E366200-1722-4CDE-B6EE-1027A6DE0785}" type="datetimeFigureOut">
               <a:rPr lang="en-US" smtClean="0"/>
               <a:pPr/>
-              <a:t>11/2/2020</a:t>
+              <a:t>11/12/2020</a:t>
             </a:fld>
             <a:endParaRPr lang="en-US"/>
           </a:p>
@@ -729,7 +729,7 @@
             <a:fld id="{D9F75050-0E15-4C5B-92B0-66D068882F1F}" type="datetimeFigureOut">
               <a:rPr lang="tr-TR" smtClean="0"/>
               <a:pPr/>
-              <a:t>02.11.2020</a:t>
+              <a:t>12.11.2020</a:t>
             </a:fld>
             <a:endParaRPr lang="tr-TR"/>
           </a:p>
@@ -896,7 +896,7 @@
             <a:fld id="{D9F75050-0E15-4C5B-92B0-66D068882F1F}" type="datetimeFigureOut">
               <a:rPr lang="tr-TR" smtClean="0"/>
               <a:pPr/>
-              <a:t>02.11.2020</a:t>
+              <a:t>12.11.2020</a:t>
             </a:fld>
             <a:endParaRPr lang="tr-TR"/>
           </a:p>
@@ -1073,7 +1073,7 @@
             <a:fld id="{D9F75050-0E15-4C5B-92B0-66D068882F1F}" type="datetimeFigureOut">
               <a:rPr lang="tr-TR" smtClean="0"/>
               <a:pPr/>
-              <a:t>02.11.2020</a:t>
+              <a:t>12.11.2020</a:t>
             </a:fld>
             <a:endParaRPr lang="tr-TR"/>
           </a:p>
@@ -1240,7 +1240,7 @@
             <a:fld id="{D9F75050-0E15-4C5B-92B0-66D068882F1F}" type="datetimeFigureOut">
               <a:rPr lang="tr-TR" smtClean="0"/>
               <a:pPr/>
-              <a:t>02.11.2020</a:t>
+              <a:t>12.11.2020</a:t>
             </a:fld>
             <a:endParaRPr lang="tr-TR"/>
           </a:p>
@@ -1483,7 +1483,7 @@
             <a:fld id="{D9F75050-0E15-4C5B-92B0-66D068882F1F}" type="datetimeFigureOut">
               <a:rPr lang="tr-TR" smtClean="0"/>
               <a:pPr/>
-              <a:t>02.11.2020</a:t>
+              <a:t>12.11.2020</a:t>
             </a:fld>
             <a:endParaRPr lang="tr-TR"/>
           </a:p>
@@ -1768,7 +1768,7 @@
             <a:fld id="{D9F75050-0E15-4C5B-92B0-66D068882F1F}" type="datetimeFigureOut">
               <a:rPr lang="tr-TR" smtClean="0"/>
               <a:pPr/>
-              <a:t>02.11.2020</a:t>
+              <a:t>12.11.2020</a:t>
             </a:fld>
             <a:endParaRPr lang="tr-TR"/>
           </a:p>
@@ -2187,7 +2187,7 @@
             <a:fld id="{D9F75050-0E15-4C5B-92B0-66D068882F1F}" type="datetimeFigureOut">
               <a:rPr lang="tr-TR" smtClean="0"/>
               <a:pPr/>
-              <a:t>02.11.2020</a:t>
+              <a:t>12.11.2020</a:t>
             </a:fld>
             <a:endParaRPr lang="tr-TR"/>
           </a:p>
@@ -2302,7 +2302,7 @@
             <a:fld id="{D9F75050-0E15-4C5B-92B0-66D068882F1F}" type="datetimeFigureOut">
               <a:rPr lang="tr-TR" smtClean="0"/>
               <a:pPr/>
-              <a:t>02.11.2020</a:t>
+              <a:t>12.11.2020</a:t>
             </a:fld>
             <a:endParaRPr lang="tr-TR"/>
           </a:p>
@@ -2394,7 +2394,7 @@
             <a:fld id="{D9F75050-0E15-4C5B-92B0-66D068882F1F}" type="datetimeFigureOut">
               <a:rPr lang="tr-TR" smtClean="0"/>
               <a:pPr/>
-              <a:t>02.11.2020</a:t>
+              <a:t>12.11.2020</a:t>
             </a:fld>
             <a:endParaRPr lang="tr-TR"/>
           </a:p>
@@ -2668,7 +2668,7 @@
             <a:fld id="{D9F75050-0E15-4C5B-92B0-66D068882F1F}" type="datetimeFigureOut">
               <a:rPr lang="tr-TR" smtClean="0"/>
               <a:pPr/>
-              <a:t>02.11.2020</a:t>
+              <a:t>12.11.2020</a:t>
             </a:fld>
             <a:endParaRPr lang="tr-TR"/>
           </a:p>
@@ -2918,7 +2918,7 @@
             <a:fld id="{D9F75050-0E15-4C5B-92B0-66D068882F1F}" type="datetimeFigureOut">
               <a:rPr lang="tr-TR" smtClean="0"/>
               <a:pPr/>
-              <a:t>02.11.2020</a:t>
+              <a:t>12.11.2020</a:t>
             </a:fld>
             <a:endParaRPr lang="tr-TR"/>
           </a:p>
@@ -3128,7 +3128,7 @@
             <a:fld id="{D9F75050-0E15-4C5B-92B0-66D068882F1F}" type="datetimeFigureOut">
               <a:rPr lang="tr-TR" smtClean="0"/>
               <a:pPr/>
-              <a:t>02.11.2020</a:t>
+              <a:t>12.11.2020</a:t>
             </a:fld>
             <a:endParaRPr lang="tr-TR"/>
           </a:p>
@@ -14896,7 +14896,7 @@
         </p:nvSpPr>
         <p:spPr>
           <a:xfrm>
-            <a:off x="287524" y="1484784"/>
+            <a:off x="634895" y="1702549"/>
             <a:ext cx="1812869" cy="646331"/>
           </a:xfrm>
           <a:prstGeom prst="rect">
@@ -14934,7 +14934,7 @@
         </p:nvCxnSpPr>
         <p:spPr>
           <a:xfrm>
-            <a:off x="863588" y="2780928"/>
+            <a:off x="1151620" y="2780928"/>
             <a:ext cx="792088" cy="0"/>
           </a:xfrm>
           <a:prstGeom prst="straightConnector1">
@@ -14967,7 +14967,7 @@
         </p:nvCxnSpPr>
         <p:spPr>
           <a:xfrm flipV="1">
-            <a:off x="863588" y="2276872"/>
+            <a:off x="1151620" y="2276872"/>
             <a:ext cx="0" cy="504056"/>
           </a:xfrm>
           <a:prstGeom prst="straightConnector1">
@@ -15000,7 +15000,7 @@
         </p:nvCxnSpPr>
         <p:spPr>
           <a:xfrm flipV="1">
-            <a:off x="863588" y="2600908"/>
+            <a:off x="1151620" y="2600908"/>
             <a:ext cx="144016" cy="180020"/>
           </a:xfrm>
           <a:prstGeom prst="line">
@@ -15030,7 +15030,7 @@
         </p:nvCxnSpPr>
         <p:spPr>
           <a:xfrm>
-            <a:off x="1007604" y="2600908"/>
+            <a:off x="1295636" y="2600908"/>
             <a:ext cx="324036" cy="0"/>
           </a:xfrm>
           <a:prstGeom prst="line">
@@ -15060,7 +15060,7 @@
         </p:nvCxnSpPr>
         <p:spPr>
           <a:xfrm flipV="1">
-            <a:off x="1331640" y="2456892"/>
+            <a:off x="1619672" y="2456892"/>
             <a:ext cx="0" cy="144016"/>
           </a:xfrm>
           <a:prstGeom prst="line">
@@ -15090,7 +15090,7 @@
         </p:nvCxnSpPr>
         <p:spPr>
           <a:xfrm>
-            <a:off x="1331640" y="2456892"/>
+            <a:off x="1619672" y="2456892"/>
             <a:ext cx="216024" cy="0"/>
           </a:xfrm>
           <a:prstGeom prst="line">
@@ -15120,8 +15120,8 @@
         </p:nvCxnSpPr>
         <p:spPr>
           <a:xfrm>
-            <a:off x="2015716" y="2600908"/>
-            <a:ext cx="468052" cy="0"/>
+            <a:off x="2483768" y="2600908"/>
+            <a:ext cx="324036" cy="0"/>
           </a:xfrm>
           <a:prstGeom prst="straightConnector1">
             <a:avLst/>
@@ -15153,7 +15153,7 @@
         </p:nvSpPr>
         <p:spPr>
           <a:xfrm>
-            <a:off x="2483768" y="2348880"/>
+            <a:off x="2807804" y="2348880"/>
             <a:ext cx="468052" cy="540060"/>
           </a:xfrm>
           <a:prstGeom prst="rect">
@@ -15194,7 +15194,7 @@
         </p:nvSpPr>
         <p:spPr>
           <a:xfrm>
-            <a:off x="2519772" y="2420888"/>
+            <a:off x="2843808" y="2420888"/>
             <a:ext cx="360996" cy="369332"/>
           </a:xfrm>
           <a:prstGeom prst="rect">
@@ -15224,8 +15224,8 @@
         </p:nvCxnSpPr>
         <p:spPr>
           <a:xfrm>
-            <a:off x="2951820" y="2600908"/>
-            <a:ext cx="468052" cy="0"/>
+            <a:off x="3311860" y="2600908"/>
+            <a:ext cx="360040" cy="0"/>
           </a:xfrm>
           <a:prstGeom prst="straightConnector1">
             <a:avLst/>
@@ -15257,7 +15257,7 @@
         </p:nvSpPr>
         <p:spPr>
           <a:xfrm>
-            <a:off x="3131840" y="2168860"/>
+            <a:off x="3239852" y="2168860"/>
             <a:ext cx="532325" cy="369332"/>
           </a:xfrm>
           <a:prstGeom prst="rect">
@@ -15291,7 +15291,7 @@
         </p:nvSpPr>
         <p:spPr>
           <a:xfrm>
-            <a:off x="2411760" y="3068960"/>
+            <a:off x="2887547" y="3095672"/>
             <a:ext cx="532325" cy="369332"/>
           </a:xfrm>
           <a:prstGeom prst="rect">
@@ -15325,8 +15325,8 @@
         </p:nvCxnSpPr>
         <p:spPr>
           <a:xfrm>
-            <a:off x="2951820" y="3284984"/>
-            <a:ext cx="468052" cy="0"/>
+            <a:off x="3419872" y="3284984"/>
+            <a:ext cx="252028" cy="0"/>
           </a:xfrm>
           <a:prstGeom prst="straightConnector1">
             <a:avLst/>
@@ -15440,7 +15440,7 @@
         </p:nvGrpSpPr>
         <p:grpSpPr>
           <a:xfrm>
-            <a:off x="3347864" y="2420888"/>
+            <a:off x="3599892" y="2420888"/>
             <a:ext cx="324036" cy="432048"/>
             <a:chOff x="3167844" y="4221088"/>
             <a:chExt cx="324036" cy="432048"/>
@@ -15555,7 +15555,7 @@
         </p:nvGrpSpPr>
         <p:grpSpPr>
           <a:xfrm>
-            <a:off x="3347864" y="3104964"/>
+            <a:off x="3599892" y="3104964"/>
             <a:ext cx="324036" cy="432048"/>
             <a:chOff x="3167844" y="4221088"/>
             <a:chExt cx="324036" cy="432048"/>
@@ -15662,16 +15662,541 @@
           </p:txBody>
         </p:sp>
       </p:grpSp>
+      <p:sp>
+        <p:nvSpPr>
+          <p:cNvPr id="41" name="40 Metin kutusu"/>
+          <p:cNvSpPr txBox="1"/>
+          <p:nvPr/>
+        </p:nvSpPr>
+        <p:spPr>
+          <a:xfrm>
+            <a:off x="4103948" y="2420888"/>
+            <a:ext cx="503664" cy="369332"/>
+          </a:xfrm>
+          <a:prstGeom prst="rect">
+            <a:avLst/>
+          </a:prstGeom>
+          <a:noFill/>
+        </p:spPr>
+        <p:txBody>
+          <a:bodyPr wrap="none" rtlCol="0">
+            <a:spAutoFit/>
+          </a:bodyPr>
+          <a:lstStyle/>
+          <a:p>
+            <a:r>
+              <a:rPr lang="tr-TR" dirty="0" smtClean="0"/>
+              <a:t>PID</a:t>
+            </a:r>
+            <a:endParaRPr lang="en-US" dirty="0"/>
+          </a:p>
+        </p:txBody>
+      </p:sp>
+      <p:sp>
+        <p:nvSpPr>
+          <p:cNvPr id="43" name="42 Metin kutusu"/>
+          <p:cNvSpPr txBox="1"/>
+          <p:nvPr/>
+        </p:nvSpPr>
+        <p:spPr>
+          <a:xfrm>
+            <a:off x="4103948" y="3095672"/>
+            <a:ext cx="503664" cy="369332"/>
+          </a:xfrm>
+          <a:prstGeom prst="rect">
+            <a:avLst/>
+          </a:prstGeom>
+          <a:noFill/>
+        </p:spPr>
+        <p:txBody>
+          <a:bodyPr wrap="none" rtlCol="0">
+            <a:spAutoFit/>
+          </a:bodyPr>
+          <a:lstStyle/>
+          <a:p>
+            <a:r>
+              <a:rPr lang="tr-TR" dirty="0" smtClean="0"/>
+              <a:t>PID</a:t>
+            </a:r>
+            <a:endParaRPr lang="en-US" dirty="0"/>
+          </a:p>
+        </p:txBody>
+      </p:sp>
+      <p:sp>
+        <p:nvSpPr>
+          <p:cNvPr id="44" name="43 Dikdörtgen"/>
+          <p:cNvSpPr/>
+          <p:nvPr/>
+        </p:nvSpPr>
+        <p:spPr>
+          <a:xfrm>
+            <a:off x="4824028" y="2312876"/>
+            <a:ext cx="936104" cy="1224136"/>
+          </a:xfrm>
+          <a:prstGeom prst="rect">
+            <a:avLst/>
+          </a:prstGeom>
+          <a:noFill/>
+        </p:spPr>
+        <p:style>
+          <a:lnRef idx="2">
+            <a:schemeClr val="accent1">
+              <a:shade val="50000"/>
+            </a:schemeClr>
+          </a:lnRef>
+          <a:fillRef idx="1">
+            <a:schemeClr val="accent1"/>
+          </a:fillRef>
+          <a:effectRef idx="0">
+            <a:schemeClr val="accent1"/>
+          </a:effectRef>
+          <a:fontRef idx="minor">
+            <a:schemeClr val="lt1"/>
+          </a:fontRef>
+        </p:style>
+        <p:txBody>
+          <a:bodyPr rtlCol="0" anchor="ctr"/>
+          <a:lstStyle/>
+          <a:p>
+            <a:pPr algn="ctr"/>
+            <a:endParaRPr lang="en-US"/>
+          </a:p>
+        </p:txBody>
+      </p:sp>
       <p:cxnSp>
         <p:nvCxnSpPr>
-          <p:cNvPr id="39" name="38 Düz Ok Bağlayıcısı"/>
+          <p:cNvPr id="46" name="45 Düz Ok Bağlayıcısı"/>
           <p:cNvCxnSpPr/>
           <p:nvPr/>
         </p:nvCxnSpPr>
         <p:spPr>
           <a:xfrm>
-            <a:off x="3671900" y="2600908"/>
-            <a:ext cx="468052" cy="0"/>
+            <a:off x="4608004" y="3284984"/>
+            <a:ext cx="216024" cy="0"/>
+          </a:xfrm>
+          <a:prstGeom prst="straightConnector1">
+            <a:avLst/>
+          </a:prstGeom>
+          <a:ln>
+            <a:tailEnd type="arrow"/>
+          </a:ln>
+        </p:spPr>
+        <p:style>
+          <a:lnRef idx="1">
+            <a:schemeClr val="accent1"/>
+          </a:lnRef>
+          <a:fillRef idx="0">
+            <a:schemeClr val="accent1"/>
+          </a:fillRef>
+          <a:effectRef idx="0">
+            <a:schemeClr val="accent1"/>
+          </a:effectRef>
+          <a:fontRef idx="minor">
+            <a:schemeClr val="tx1"/>
+          </a:fontRef>
+        </p:style>
+      </p:cxnSp>
+      <p:sp>
+        <p:nvSpPr>
+          <p:cNvPr id="47" name="46 Dikdörtgen"/>
+          <p:cNvSpPr/>
+          <p:nvPr/>
+        </p:nvSpPr>
+        <p:spPr>
+          <a:xfrm>
+            <a:off x="7776356" y="2510316"/>
+            <a:ext cx="1008112" cy="864096"/>
+          </a:xfrm>
+          <a:prstGeom prst="rect">
+            <a:avLst/>
+          </a:prstGeom>
+          <a:noFill/>
+        </p:spPr>
+        <p:style>
+          <a:lnRef idx="2">
+            <a:schemeClr val="accent1">
+              <a:shade val="50000"/>
+            </a:schemeClr>
+          </a:lnRef>
+          <a:fillRef idx="1">
+            <a:schemeClr val="accent1"/>
+          </a:fillRef>
+          <a:effectRef idx="0">
+            <a:schemeClr val="accent1"/>
+          </a:effectRef>
+          <a:fontRef idx="minor">
+            <a:schemeClr val="lt1"/>
+          </a:fontRef>
+        </p:style>
+        <p:txBody>
+          <a:bodyPr rtlCol="0" anchor="ctr"/>
+          <a:lstStyle/>
+          <a:p>
+            <a:pPr algn="ctr"/>
+            <a:endParaRPr lang="en-US"/>
+          </a:p>
+        </p:txBody>
+      </p:sp>
+      <p:sp>
+        <p:nvSpPr>
+          <p:cNvPr id="48" name="47 Oval"/>
+          <p:cNvSpPr/>
+          <p:nvPr/>
+        </p:nvSpPr>
+        <p:spPr>
+          <a:xfrm>
+            <a:off x="8046386" y="2654332"/>
+            <a:ext cx="576064" cy="576064"/>
+          </a:xfrm>
+          <a:prstGeom prst="ellipse">
+            <a:avLst/>
+          </a:prstGeom>
+          <a:noFill/>
+        </p:spPr>
+        <p:style>
+          <a:lnRef idx="2">
+            <a:schemeClr val="accent1">
+              <a:shade val="50000"/>
+            </a:schemeClr>
+          </a:lnRef>
+          <a:fillRef idx="1">
+            <a:schemeClr val="accent1"/>
+          </a:fillRef>
+          <a:effectRef idx="0">
+            <a:schemeClr val="accent1"/>
+          </a:effectRef>
+          <a:fontRef idx="minor">
+            <a:schemeClr val="lt1"/>
+          </a:fontRef>
+        </p:style>
+        <p:txBody>
+          <a:bodyPr rtlCol="0" anchor="ctr"/>
+          <a:lstStyle/>
+          <a:p>
+            <a:pPr algn="ctr"/>
+            <a:endParaRPr lang="en-US"/>
+          </a:p>
+        </p:txBody>
+      </p:sp>
+      <p:sp>
+        <p:nvSpPr>
+          <p:cNvPr id="49" name="48 Metin kutusu"/>
+          <p:cNvSpPr txBox="1"/>
+          <p:nvPr/>
+        </p:nvSpPr>
+        <p:spPr>
+          <a:xfrm>
+            <a:off x="8153072" y="2620069"/>
+            <a:ext cx="343364" cy="646331"/>
+          </a:xfrm>
+          <a:prstGeom prst="rect">
+            <a:avLst/>
+          </a:prstGeom>
+          <a:noFill/>
+        </p:spPr>
+        <p:txBody>
+          <a:bodyPr wrap="none" rtlCol="0">
+            <a:spAutoFit/>
+          </a:bodyPr>
+          <a:lstStyle/>
+          <a:p>
+            <a:pPr algn="ctr"/>
+            <a:r>
+              <a:rPr lang="tr-TR" dirty="0" smtClean="0"/>
+              <a:t>N</a:t>
+            </a:r>
+          </a:p>
+          <a:p>
+            <a:pPr algn="ctr"/>
+            <a:r>
+              <a:rPr lang="tr-TR" dirty="0" smtClean="0"/>
+              <a:t>S</a:t>
+            </a:r>
+            <a:endParaRPr lang="en-US" dirty="0"/>
+          </a:p>
+        </p:txBody>
+      </p:sp>
+      <p:sp>
+        <p:nvSpPr>
+          <p:cNvPr id="50" name="49 Metin kutusu"/>
+          <p:cNvSpPr txBox="1"/>
+          <p:nvPr/>
+        </p:nvSpPr>
+        <p:spPr>
+          <a:xfrm>
+            <a:off x="7704348" y="2690336"/>
+            <a:ext cx="288862" cy="738664"/>
+          </a:xfrm>
+          <a:prstGeom prst="rect">
+            <a:avLst/>
+          </a:prstGeom>
+          <a:noFill/>
+        </p:spPr>
+        <p:txBody>
+          <a:bodyPr wrap="none" rtlCol="0">
+            <a:spAutoFit/>
+          </a:bodyPr>
+          <a:lstStyle/>
+          <a:p>
+            <a:r>
+              <a:rPr lang="tr-TR" sz="1400" dirty="0" smtClean="0"/>
+              <a:t>A</a:t>
+            </a:r>
+          </a:p>
+          <a:p>
+            <a:r>
+              <a:rPr lang="tr-TR" sz="1400" dirty="0" smtClean="0"/>
+              <a:t>B</a:t>
+            </a:r>
+          </a:p>
+          <a:p>
+            <a:r>
+              <a:rPr lang="tr-TR" sz="1400" dirty="0" smtClean="0"/>
+              <a:t>C</a:t>
+            </a:r>
+          </a:p>
+        </p:txBody>
+      </p:sp>
+      <p:sp>
+        <p:nvSpPr>
+          <p:cNvPr id="51" name="50 Metin kutusu"/>
+          <p:cNvSpPr txBox="1"/>
+          <p:nvPr/>
+        </p:nvSpPr>
+        <p:spPr>
+          <a:xfrm>
+            <a:off x="7725960" y="2454567"/>
+            <a:ext cx="266420" cy="307777"/>
+          </a:xfrm>
+          <a:prstGeom prst="rect">
+            <a:avLst/>
+          </a:prstGeom>
+          <a:noFill/>
+        </p:spPr>
+        <p:txBody>
+          <a:bodyPr wrap="none" rtlCol="0">
+            <a:spAutoFit/>
+          </a:bodyPr>
+          <a:lstStyle/>
+          <a:p>
+            <a:r>
+              <a:rPr lang="tr-TR" sz="1400" dirty="0" smtClean="0"/>
+              <a:t>S</a:t>
+            </a:r>
+            <a:endParaRPr lang="en-US" sz="1400" dirty="0"/>
+          </a:p>
+        </p:txBody>
+      </p:sp>
+      <p:sp>
+        <p:nvSpPr>
+          <p:cNvPr id="52" name="51 Metin kutusu"/>
+          <p:cNvSpPr txBox="1"/>
+          <p:nvPr/>
+        </p:nvSpPr>
+        <p:spPr>
+          <a:xfrm>
+            <a:off x="1907704" y="4149080"/>
+            <a:ext cx="389850" cy="646331"/>
+          </a:xfrm>
+          <a:prstGeom prst="rect">
+            <a:avLst/>
+          </a:prstGeom>
+          <a:noFill/>
+        </p:spPr>
+        <p:txBody>
+          <a:bodyPr wrap="none" rtlCol="0">
+            <a:spAutoFit/>
+          </a:bodyPr>
+          <a:lstStyle/>
+          <a:p>
+            <a:r>
+              <a:rPr lang="tr-TR" dirty="0" smtClean="0"/>
+              <a:t>W</a:t>
+            </a:r>
+          </a:p>
+          <a:p>
+            <a:r>
+              <a:rPr lang="tr-TR" dirty="0" smtClean="0"/>
+              <a:t>θ</a:t>
+            </a:r>
+            <a:endParaRPr lang="en-US" dirty="0"/>
+          </a:p>
+        </p:txBody>
+      </p:sp>
+      <p:sp>
+        <p:nvSpPr>
+          <p:cNvPr id="42" name="41 Metin kutusu"/>
+          <p:cNvSpPr txBox="1"/>
+          <p:nvPr/>
+        </p:nvSpPr>
+        <p:spPr>
+          <a:xfrm>
+            <a:off x="4824028" y="2744924"/>
+            <a:ext cx="941283" cy="369332"/>
+          </a:xfrm>
+          <a:prstGeom prst="rect">
+            <a:avLst/>
+          </a:prstGeom>
+          <a:noFill/>
+        </p:spPr>
+        <p:txBody>
+          <a:bodyPr wrap="none" rtlCol="0">
+            <a:spAutoFit/>
+          </a:bodyPr>
+          <a:lstStyle/>
+          <a:p>
+            <a:r>
+              <a:rPr lang="tr-TR" dirty="0" smtClean="0"/>
+              <a:t>SVPWM</a:t>
+            </a:r>
+            <a:endParaRPr lang="en-US" dirty="0"/>
+          </a:p>
+        </p:txBody>
+      </p:sp>
+      <p:sp>
+        <p:nvSpPr>
+          <p:cNvPr id="55" name="54 Dikdörtgen"/>
+          <p:cNvSpPr/>
+          <p:nvPr/>
+        </p:nvSpPr>
+        <p:spPr>
+          <a:xfrm>
+            <a:off x="6300192" y="2312876"/>
+            <a:ext cx="936104" cy="1224136"/>
+          </a:xfrm>
+          <a:prstGeom prst="rect">
+            <a:avLst/>
+          </a:prstGeom>
+          <a:noFill/>
+        </p:spPr>
+        <p:style>
+          <a:lnRef idx="2">
+            <a:schemeClr val="accent1">
+              <a:shade val="50000"/>
+            </a:schemeClr>
+          </a:lnRef>
+          <a:fillRef idx="1">
+            <a:schemeClr val="accent1"/>
+          </a:fillRef>
+          <a:effectRef idx="0">
+            <a:schemeClr val="accent1"/>
+          </a:effectRef>
+          <a:fontRef idx="minor">
+            <a:schemeClr val="lt1"/>
+          </a:fontRef>
+        </p:style>
+        <p:txBody>
+          <a:bodyPr rtlCol="0" anchor="ctr"/>
+          <a:lstStyle/>
+          <a:p>
+            <a:pPr algn="ctr"/>
+            <a:endParaRPr lang="en-US"/>
+          </a:p>
+        </p:txBody>
+      </p:sp>
+      <p:sp>
+        <p:nvSpPr>
+          <p:cNvPr id="56" name="55 Metin kutusu"/>
+          <p:cNvSpPr txBox="1"/>
+          <p:nvPr/>
+        </p:nvSpPr>
+        <p:spPr>
+          <a:xfrm>
+            <a:off x="6300192" y="2744924"/>
+            <a:ext cx="927883" cy="369332"/>
+          </a:xfrm>
+          <a:prstGeom prst="rect">
+            <a:avLst/>
+          </a:prstGeom>
+          <a:noFill/>
+        </p:spPr>
+        <p:txBody>
+          <a:bodyPr wrap="none" rtlCol="0">
+            <a:spAutoFit/>
+          </a:bodyPr>
+          <a:lstStyle/>
+          <a:p>
+            <a:r>
+              <a:rPr lang="en-US" dirty="0" smtClean="0"/>
+              <a:t>Inverter</a:t>
+            </a:r>
+            <a:endParaRPr lang="en-US" dirty="0"/>
+          </a:p>
+        </p:txBody>
+      </p:sp>
+      <p:cxnSp>
+        <p:nvCxnSpPr>
+          <p:cNvPr id="60" name="59 Düz Ok Bağlayıcısı"/>
+          <p:cNvCxnSpPr/>
+          <p:nvPr/>
+        </p:nvCxnSpPr>
+        <p:spPr>
+          <a:xfrm>
+            <a:off x="5760132" y="2492896"/>
+            <a:ext cx="540060" cy="0"/>
+          </a:xfrm>
+          <a:prstGeom prst="straightConnector1">
+            <a:avLst/>
+          </a:prstGeom>
+          <a:ln>
+            <a:tailEnd type="arrow"/>
+          </a:ln>
+        </p:spPr>
+        <p:style>
+          <a:lnRef idx="1">
+            <a:schemeClr val="accent1"/>
+          </a:lnRef>
+          <a:fillRef idx="0">
+            <a:schemeClr val="accent1"/>
+          </a:fillRef>
+          <a:effectRef idx="0">
+            <a:schemeClr val="accent1"/>
+          </a:effectRef>
+          <a:fontRef idx="minor">
+            <a:schemeClr val="tx1"/>
+          </a:fontRef>
+        </p:style>
+      </p:cxnSp>
+      <p:sp>
+        <p:nvSpPr>
+          <p:cNvPr id="61" name="60 Metin kutusu"/>
+          <p:cNvSpPr txBox="1"/>
+          <p:nvPr/>
+        </p:nvSpPr>
+        <p:spPr>
+          <a:xfrm>
+            <a:off x="4887522" y="2348880"/>
+            <a:ext cx="944618" cy="276999"/>
+          </a:xfrm>
+          <a:prstGeom prst="rect">
+            <a:avLst/>
+          </a:prstGeom>
+          <a:noFill/>
+        </p:spPr>
+        <p:txBody>
+          <a:bodyPr wrap="none" rtlCol="0">
+            <a:spAutoFit/>
+          </a:bodyPr>
+          <a:lstStyle/>
+          <a:p>
+            <a:r>
+              <a:rPr lang="en-US" sz="1200" dirty="0" smtClean="0"/>
+              <a:t>Gate Signals</a:t>
+            </a:r>
+            <a:endParaRPr lang="en-US" sz="1200" dirty="0"/>
+          </a:p>
+        </p:txBody>
+      </p:sp>
+      <p:cxnSp>
+        <p:nvCxnSpPr>
+          <p:cNvPr id="65" name="64 Düz Ok Bağlayıcısı"/>
+          <p:cNvCxnSpPr/>
+          <p:nvPr/>
+        </p:nvCxnSpPr>
+        <p:spPr>
+          <a:xfrm>
+            <a:off x="4608004" y="2600908"/>
+            <a:ext cx="216024" cy="0"/>
           </a:xfrm>
           <a:prstGeom prst="straightConnector1">
             <a:avLst/>
@@ -15697,148 +16222,14 @@
       </p:cxnSp>
       <p:cxnSp>
         <p:nvCxnSpPr>
-          <p:cNvPr id="40" name="39 Düz Ok Bağlayıcısı"/>
+          <p:cNvPr id="66" name="65 Düz Ok Bağlayıcısı"/>
           <p:cNvCxnSpPr/>
           <p:nvPr/>
         </p:nvCxnSpPr>
         <p:spPr>
           <a:xfrm>
-            <a:off x="3671900" y="3284984"/>
-            <a:ext cx="468052" cy="0"/>
-          </a:xfrm>
-          <a:prstGeom prst="straightConnector1">
-            <a:avLst/>
-          </a:prstGeom>
-          <a:ln>
-            <a:tailEnd type="arrow"/>
-          </a:ln>
-        </p:spPr>
-        <p:style>
-          <a:lnRef idx="1">
-            <a:schemeClr val="accent1"/>
-          </a:lnRef>
-          <a:fillRef idx="0">
-            <a:schemeClr val="accent1"/>
-          </a:fillRef>
-          <a:effectRef idx="0">
-            <a:schemeClr val="accent1"/>
-          </a:effectRef>
-          <a:fontRef idx="minor">
-            <a:schemeClr val="tx1"/>
-          </a:fontRef>
-        </p:style>
-      </p:cxnSp>
-      <p:sp>
-        <p:nvSpPr>
-          <p:cNvPr id="41" name="40 Metin kutusu"/>
-          <p:cNvSpPr txBox="1"/>
-          <p:nvPr/>
-        </p:nvSpPr>
-        <p:spPr>
-          <a:xfrm>
-            <a:off x="4103948" y="2420888"/>
-            <a:ext cx="503664" cy="369332"/>
-          </a:xfrm>
-          <a:prstGeom prst="rect">
-            <a:avLst/>
-          </a:prstGeom>
-          <a:noFill/>
-        </p:spPr>
-        <p:txBody>
-          <a:bodyPr wrap="none" rtlCol="0">
-            <a:spAutoFit/>
-          </a:bodyPr>
-          <a:lstStyle/>
-          <a:p>
-            <a:r>
-              <a:rPr lang="tr-TR" dirty="0" smtClean="0"/>
-              <a:t>PID</a:t>
-            </a:r>
-            <a:endParaRPr lang="en-US" dirty="0"/>
-          </a:p>
-        </p:txBody>
-      </p:sp>
-      <p:sp>
-        <p:nvSpPr>
-          <p:cNvPr id="43" name="42 Metin kutusu"/>
-          <p:cNvSpPr txBox="1"/>
-          <p:nvPr/>
-        </p:nvSpPr>
-        <p:spPr>
-          <a:xfrm>
-            <a:off x="4103948" y="3095672"/>
-            <a:ext cx="503664" cy="369332"/>
-          </a:xfrm>
-          <a:prstGeom prst="rect">
-            <a:avLst/>
-          </a:prstGeom>
-          <a:noFill/>
-        </p:spPr>
-        <p:txBody>
-          <a:bodyPr wrap="none" rtlCol="0">
-            <a:spAutoFit/>
-          </a:bodyPr>
-          <a:lstStyle/>
-          <a:p>
-            <a:r>
-              <a:rPr lang="tr-TR" dirty="0" smtClean="0"/>
-              <a:t>PID</a:t>
-            </a:r>
-            <a:endParaRPr lang="en-US" dirty="0"/>
-          </a:p>
-        </p:txBody>
-      </p:sp>
-      <p:sp>
-        <p:nvSpPr>
-          <p:cNvPr id="44" name="43 Dikdörtgen"/>
-          <p:cNvSpPr/>
-          <p:nvPr/>
-        </p:nvSpPr>
-        <p:spPr>
-          <a:xfrm>
-            <a:off x="5076056" y="2312876"/>
-            <a:ext cx="828092" cy="1224136"/>
-          </a:xfrm>
-          <a:prstGeom prst="rect">
-            <a:avLst/>
-          </a:prstGeom>
-          <a:noFill/>
-        </p:spPr>
-        <p:style>
-          <a:lnRef idx="2">
-            <a:schemeClr val="accent1">
-              <a:shade val="50000"/>
-            </a:schemeClr>
-          </a:lnRef>
-          <a:fillRef idx="1">
-            <a:schemeClr val="accent1"/>
-          </a:fillRef>
-          <a:effectRef idx="0">
-            <a:schemeClr val="accent1"/>
-          </a:effectRef>
-          <a:fontRef idx="minor">
-            <a:schemeClr val="lt1"/>
-          </a:fontRef>
-        </p:style>
-        <p:txBody>
-          <a:bodyPr rtlCol="0" anchor="ctr"/>
-          <a:lstStyle/>
-          <a:p>
-            <a:pPr algn="ctr"/>
-            <a:endParaRPr lang="en-US"/>
-          </a:p>
-        </p:txBody>
-      </p:sp>
-      <p:cxnSp>
-        <p:nvCxnSpPr>
-          <p:cNvPr id="45" name="44 Düz Ok Bağlayıcısı"/>
-          <p:cNvCxnSpPr/>
-          <p:nvPr/>
-        </p:nvCxnSpPr>
-        <p:spPr>
-          <a:xfrm>
-            <a:off x="4608004" y="2564904"/>
-            <a:ext cx="468052" cy="0"/>
+            <a:off x="3923928" y="3284984"/>
+            <a:ext cx="216024" cy="0"/>
           </a:xfrm>
           <a:prstGeom prst="straightConnector1">
             <a:avLst/>
@@ -15864,14 +16255,14 @@
       </p:cxnSp>
       <p:cxnSp>
         <p:nvCxnSpPr>
-          <p:cNvPr id="46" name="45 Düz Ok Bağlayıcısı"/>
+          <p:cNvPr id="67" name="66 Düz Ok Bağlayıcısı"/>
           <p:cNvCxnSpPr/>
           <p:nvPr/>
         </p:nvCxnSpPr>
         <p:spPr>
           <a:xfrm>
-            <a:off x="4608004" y="3284984"/>
-            <a:ext cx="468052" cy="0"/>
+            <a:off x="3923928" y="2600908"/>
+            <a:ext cx="216024" cy="0"/>
           </a:xfrm>
           <a:prstGeom prst="straightConnector1">
             <a:avLst/>
@@ -15895,233 +16286,6 @@
           </a:fontRef>
         </p:style>
       </p:cxnSp>
-      <p:sp>
-        <p:nvSpPr>
-          <p:cNvPr id="47" name="46 Dikdörtgen"/>
-          <p:cNvSpPr/>
-          <p:nvPr/>
-        </p:nvSpPr>
-        <p:spPr>
-          <a:xfrm>
-            <a:off x="6804248" y="2384884"/>
-            <a:ext cx="1008112" cy="864096"/>
-          </a:xfrm>
-          <a:prstGeom prst="rect">
-            <a:avLst/>
-          </a:prstGeom>
-          <a:noFill/>
-        </p:spPr>
-        <p:style>
-          <a:lnRef idx="2">
-            <a:schemeClr val="accent1">
-              <a:shade val="50000"/>
-            </a:schemeClr>
-          </a:lnRef>
-          <a:fillRef idx="1">
-            <a:schemeClr val="accent1"/>
-          </a:fillRef>
-          <a:effectRef idx="0">
-            <a:schemeClr val="accent1"/>
-          </a:effectRef>
-          <a:fontRef idx="minor">
-            <a:schemeClr val="lt1"/>
-          </a:fontRef>
-        </p:style>
-        <p:txBody>
-          <a:bodyPr rtlCol="0" anchor="ctr"/>
-          <a:lstStyle/>
-          <a:p>
-            <a:pPr algn="ctr"/>
-            <a:endParaRPr lang="en-US"/>
-          </a:p>
-        </p:txBody>
-      </p:sp>
-      <p:sp>
-        <p:nvSpPr>
-          <p:cNvPr id="48" name="47 Oval"/>
-          <p:cNvSpPr/>
-          <p:nvPr/>
-        </p:nvSpPr>
-        <p:spPr>
-          <a:xfrm>
-            <a:off x="7074278" y="2528900"/>
-            <a:ext cx="576064" cy="576064"/>
-          </a:xfrm>
-          <a:prstGeom prst="ellipse">
-            <a:avLst/>
-          </a:prstGeom>
-          <a:noFill/>
-        </p:spPr>
-        <p:style>
-          <a:lnRef idx="2">
-            <a:schemeClr val="accent1">
-              <a:shade val="50000"/>
-            </a:schemeClr>
-          </a:lnRef>
-          <a:fillRef idx="1">
-            <a:schemeClr val="accent1"/>
-          </a:fillRef>
-          <a:effectRef idx="0">
-            <a:schemeClr val="accent1"/>
-          </a:effectRef>
-          <a:fontRef idx="minor">
-            <a:schemeClr val="lt1"/>
-          </a:fontRef>
-        </p:style>
-        <p:txBody>
-          <a:bodyPr rtlCol="0" anchor="ctr"/>
-          <a:lstStyle/>
-          <a:p>
-            <a:pPr algn="ctr"/>
-            <a:endParaRPr lang="en-US"/>
-          </a:p>
-        </p:txBody>
-      </p:sp>
-      <p:sp>
-        <p:nvSpPr>
-          <p:cNvPr id="49" name="48 Metin kutusu"/>
-          <p:cNvSpPr txBox="1"/>
-          <p:nvPr/>
-        </p:nvSpPr>
-        <p:spPr>
-          <a:xfrm>
-            <a:off x="7180964" y="2494637"/>
-            <a:ext cx="343364" cy="646331"/>
-          </a:xfrm>
-          <a:prstGeom prst="rect">
-            <a:avLst/>
-          </a:prstGeom>
-          <a:noFill/>
-        </p:spPr>
-        <p:txBody>
-          <a:bodyPr wrap="none" rtlCol="0">
-            <a:spAutoFit/>
-          </a:bodyPr>
-          <a:lstStyle/>
-          <a:p>
-            <a:pPr algn="ctr"/>
-            <a:r>
-              <a:rPr lang="tr-TR" dirty="0" smtClean="0"/>
-              <a:t>N</a:t>
-            </a:r>
-          </a:p>
-          <a:p>
-            <a:pPr algn="ctr"/>
-            <a:r>
-              <a:rPr lang="tr-TR" dirty="0" smtClean="0"/>
-              <a:t>S</a:t>
-            </a:r>
-            <a:endParaRPr lang="en-US" dirty="0"/>
-          </a:p>
-        </p:txBody>
-      </p:sp>
-      <p:sp>
-        <p:nvSpPr>
-          <p:cNvPr id="50" name="49 Metin kutusu"/>
-          <p:cNvSpPr txBox="1"/>
-          <p:nvPr/>
-        </p:nvSpPr>
-        <p:spPr>
-          <a:xfrm>
-            <a:off x="6732240" y="2564904"/>
-            <a:ext cx="288862" cy="738664"/>
-          </a:xfrm>
-          <a:prstGeom prst="rect">
-            <a:avLst/>
-          </a:prstGeom>
-          <a:noFill/>
-        </p:spPr>
-        <p:txBody>
-          <a:bodyPr wrap="none" rtlCol="0">
-            <a:spAutoFit/>
-          </a:bodyPr>
-          <a:lstStyle/>
-          <a:p>
-            <a:r>
-              <a:rPr lang="tr-TR" sz="1400" dirty="0" smtClean="0"/>
-              <a:t>A</a:t>
-            </a:r>
-          </a:p>
-          <a:p>
-            <a:r>
-              <a:rPr lang="tr-TR" sz="1400" dirty="0" smtClean="0"/>
-              <a:t>B</a:t>
-            </a:r>
-          </a:p>
-          <a:p>
-            <a:r>
-              <a:rPr lang="tr-TR" sz="1400" dirty="0" smtClean="0"/>
-              <a:t>C</a:t>
-            </a:r>
-          </a:p>
-        </p:txBody>
-      </p:sp>
-      <p:sp>
-        <p:nvSpPr>
-          <p:cNvPr id="51" name="50 Metin kutusu"/>
-          <p:cNvSpPr txBox="1"/>
-          <p:nvPr/>
-        </p:nvSpPr>
-        <p:spPr>
-          <a:xfrm>
-            <a:off x="6753852" y="2329135"/>
-            <a:ext cx="266420" cy="307777"/>
-          </a:xfrm>
-          <a:prstGeom prst="rect">
-            <a:avLst/>
-          </a:prstGeom>
-          <a:noFill/>
-        </p:spPr>
-        <p:txBody>
-          <a:bodyPr wrap="none" rtlCol="0">
-            <a:spAutoFit/>
-          </a:bodyPr>
-          <a:lstStyle/>
-          <a:p>
-            <a:r>
-              <a:rPr lang="tr-TR" sz="1400" dirty="0" smtClean="0"/>
-              <a:t>S</a:t>
-            </a:r>
-            <a:endParaRPr lang="en-US" sz="1400" dirty="0"/>
-          </a:p>
-        </p:txBody>
-      </p:sp>
-      <p:sp>
-        <p:nvSpPr>
-          <p:cNvPr id="52" name="51 Metin kutusu"/>
-          <p:cNvSpPr txBox="1"/>
-          <p:nvPr/>
-        </p:nvSpPr>
-        <p:spPr>
-          <a:xfrm>
-            <a:off x="1907704" y="4149080"/>
-            <a:ext cx="389850" cy="646331"/>
-          </a:xfrm>
-          <a:prstGeom prst="rect">
-            <a:avLst/>
-          </a:prstGeom>
-          <a:noFill/>
-        </p:spPr>
-        <p:txBody>
-          <a:bodyPr wrap="none" rtlCol="0">
-            <a:spAutoFit/>
-          </a:bodyPr>
-          <a:lstStyle/>
-          <a:p>
-            <a:r>
-              <a:rPr lang="tr-TR" dirty="0" smtClean="0"/>
-              <a:t>W</a:t>
-            </a:r>
-          </a:p>
-          <a:p>
-            <a:r>
-              <a:rPr lang="tr-TR" dirty="0" smtClean="0"/>
-              <a:t>θ</a:t>
-            </a:r>
-            <a:endParaRPr lang="en-US" dirty="0"/>
-          </a:p>
-        </p:txBody>
-      </p:sp>
     </p:spTree>
   </p:cSld>
   <p:clrMapOvr>

--- a/Parameter Estimation Works/SERVO FAULT MATH MDL/flowchart_servo_fault.pptx
+++ b/Parameter Estimation Works/SERVO FAULT MATH MDL/flowchart_servo_fault.pptx
@@ -5,7 +5,7 @@
     <p:sldMasterId id="2147483648" r:id="rId1"/>
   </p:sldMasterIdLst>
   <p:notesMasterIdLst>
-    <p:notesMasterId r:id="rId9"/>
+    <p:notesMasterId r:id="rId13"/>
   </p:notesMasterIdLst>
   <p:sldIdLst>
     <p:sldId id="256" r:id="rId2"/>
@@ -15,6 +15,10 @@
     <p:sldId id="260" r:id="rId6"/>
     <p:sldId id="261" r:id="rId7"/>
     <p:sldId id="262" r:id="rId8"/>
+    <p:sldId id="263" r:id="rId9"/>
+    <p:sldId id="264" r:id="rId10"/>
+    <p:sldId id="265" r:id="rId11"/>
+    <p:sldId id="266" r:id="rId12"/>
   </p:sldIdLst>
   <p:sldSz cx="9144000" cy="6858000" type="screen4x3"/>
   <p:notesSz cx="6858000" cy="9144000"/>
@@ -199,7 +203,7 @@
             <a:fld id="{6E366200-1722-4CDE-B6EE-1027A6DE0785}" type="datetimeFigureOut">
               <a:rPr lang="en-US" smtClean="0"/>
               <a:pPr/>
-              <a:t>11/12/2020</a:t>
+              <a:t>11/16/2020</a:t>
             </a:fld>
             <a:endParaRPr lang="en-US"/>
           </a:p>
@@ -729,7 +733,7 @@
             <a:fld id="{D9F75050-0E15-4C5B-92B0-66D068882F1F}" type="datetimeFigureOut">
               <a:rPr lang="tr-TR" smtClean="0"/>
               <a:pPr/>
-              <a:t>12.11.2020</a:t>
+              <a:t>16.11.2020</a:t>
             </a:fld>
             <a:endParaRPr lang="tr-TR"/>
           </a:p>
@@ -896,7 +900,7 @@
             <a:fld id="{D9F75050-0E15-4C5B-92B0-66D068882F1F}" type="datetimeFigureOut">
               <a:rPr lang="tr-TR" smtClean="0"/>
               <a:pPr/>
-              <a:t>12.11.2020</a:t>
+              <a:t>16.11.2020</a:t>
             </a:fld>
             <a:endParaRPr lang="tr-TR"/>
           </a:p>
@@ -1073,7 +1077,7 @@
             <a:fld id="{D9F75050-0E15-4C5B-92B0-66D068882F1F}" type="datetimeFigureOut">
               <a:rPr lang="tr-TR" smtClean="0"/>
               <a:pPr/>
-              <a:t>12.11.2020</a:t>
+              <a:t>16.11.2020</a:t>
             </a:fld>
             <a:endParaRPr lang="tr-TR"/>
           </a:p>
@@ -1240,7 +1244,7 @@
             <a:fld id="{D9F75050-0E15-4C5B-92B0-66D068882F1F}" type="datetimeFigureOut">
               <a:rPr lang="tr-TR" smtClean="0"/>
               <a:pPr/>
-              <a:t>12.11.2020</a:t>
+              <a:t>16.11.2020</a:t>
             </a:fld>
             <a:endParaRPr lang="tr-TR"/>
           </a:p>
@@ -1483,7 +1487,7 @@
             <a:fld id="{D9F75050-0E15-4C5B-92B0-66D068882F1F}" type="datetimeFigureOut">
               <a:rPr lang="tr-TR" smtClean="0"/>
               <a:pPr/>
-              <a:t>12.11.2020</a:t>
+              <a:t>16.11.2020</a:t>
             </a:fld>
             <a:endParaRPr lang="tr-TR"/>
           </a:p>
@@ -1768,7 +1772,7 @@
             <a:fld id="{D9F75050-0E15-4C5B-92B0-66D068882F1F}" type="datetimeFigureOut">
               <a:rPr lang="tr-TR" smtClean="0"/>
               <a:pPr/>
-              <a:t>12.11.2020</a:t>
+              <a:t>16.11.2020</a:t>
             </a:fld>
             <a:endParaRPr lang="tr-TR"/>
           </a:p>
@@ -2187,7 +2191,7 @@
             <a:fld id="{D9F75050-0E15-4C5B-92B0-66D068882F1F}" type="datetimeFigureOut">
               <a:rPr lang="tr-TR" smtClean="0"/>
               <a:pPr/>
-              <a:t>12.11.2020</a:t>
+              <a:t>16.11.2020</a:t>
             </a:fld>
             <a:endParaRPr lang="tr-TR"/>
           </a:p>
@@ -2302,7 +2306,7 @@
             <a:fld id="{D9F75050-0E15-4C5B-92B0-66D068882F1F}" type="datetimeFigureOut">
               <a:rPr lang="tr-TR" smtClean="0"/>
               <a:pPr/>
-              <a:t>12.11.2020</a:t>
+              <a:t>16.11.2020</a:t>
             </a:fld>
             <a:endParaRPr lang="tr-TR"/>
           </a:p>
@@ -2394,7 +2398,7 @@
             <a:fld id="{D9F75050-0E15-4C5B-92B0-66D068882F1F}" type="datetimeFigureOut">
               <a:rPr lang="tr-TR" smtClean="0"/>
               <a:pPr/>
-              <a:t>12.11.2020</a:t>
+              <a:t>16.11.2020</a:t>
             </a:fld>
             <a:endParaRPr lang="tr-TR"/>
           </a:p>
@@ -2668,7 +2672,7 @@
             <a:fld id="{D9F75050-0E15-4C5B-92B0-66D068882F1F}" type="datetimeFigureOut">
               <a:rPr lang="tr-TR" smtClean="0"/>
               <a:pPr/>
-              <a:t>12.11.2020</a:t>
+              <a:t>16.11.2020</a:t>
             </a:fld>
             <a:endParaRPr lang="tr-TR"/>
           </a:p>
@@ -2918,7 +2922,7 @@
             <a:fld id="{D9F75050-0E15-4C5B-92B0-66D068882F1F}" type="datetimeFigureOut">
               <a:rPr lang="tr-TR" smtClean="0"/>
               <a:pPr/>
-              <a:t>12.11.2020</a:t>
+              <a:t>16.11.2020</a:t>
             </a:fld>
             <a:endParaRPr lang="tr-TR"/>
           </a:p>
@@ -3128,7 +3132,7 @@
             <a:fld id="{D9F75050-0E15-4C5B-92B0-66D068882F1F}" type="datetimeFigureOut">
               <a:rPr lang="tr-TR" smtClean="0"/>
               <a:pPr/>
-              <a:t>12.11.2020</a:t>
+              <a:t>16.11.2020</a:t>
             </a:fld>
             <a:endParaRPr lang="tr-TR"/>
           </a:p>
@@ -7082,6 +7086,120 @@
           </a:p>
         </p:txBody>
       </p:sp>
+    </p:spTree>
+  </p:cSld>
+  <p:clrMapOvr>
+    <a:masterClrMapping/>
+  </p:clrMapOvr>
+</p:sld>
+</file>
+
+<file path=ppt/slides/slide10.xml><?xml version="1.0" encoding="utf-8"?>
+<p:sld xmlns:a="http://schemas.openxmlformats.org/drawingml/2006/main" xmlns:r="http://schemas.openxmlformats.org/officeDocument/2006/relationships" xmlns:p="http://schemas.openxmlformats.org/presentationml/2006/main">
+  <p:cSld>
+    <p:spTree>
+      <p:nvGrpSpPr>
+        <p:cNvPr id="1" name=""/>
+        <p:cNvGrpSpPr/>
+        <p:nvPr/>
+      </p:nvGrpSpPr>
+      <p:grpSpPr>
+        <a:xfrm>
+          <a:off x="0" y="0"/>
+          <a:ext cx="0" cy="0"/>
+          <a:chOff x="0" y="0"/>
+          <a:chExt cx="0" cy="0"/>
+        </a:xfrm>
+      </p:grpSpPr>
+      <p:pic>
+        <p:nvPicPr>
+          <p:cNvPr id="3074" name="Picture 2"/>
+          <p:cNvPicPr>
+            <a:picLocks noChangeAspect="1" noChangeArrowheads="1"/>
+          </p:cNvPicPr>
+          <p:nvPr/>
+        </p:nvPicPr>
+        <p:blipFill>
+          <a:blip r:embed="rId2" cstate="print"/>
+          <a:srcRect/>
+          <a:stretch>
+            <a:fillRect/>
+          </a:stretch>
+        </p:blipFill>
+        <p:spPr bwMode="auto">
+          <a:xfrm>
+            <a:off x="-2988840" y="-171400"/>
+            <a:ext cx="15201900" cy="7248525"/>
+          </a:xfrm>
+          <a:prstGeom prst="rect">
+            <a:avLst/>
+          </a:prstGeom>
+          <a:noFill/>
+          <a:ln w="9525">
+            <a:noFill/>
+            <a:miter lim="800000"/>
+            <a:headEnd/>
+            <a:tailEnd/>
+          </a:ln>
+        </p:spPr>
+      </p:pic>
+    </p:spTree>
+  </p:cSld>
+  <p:clrMapOvr>
+    <a:masterClrMapping/>
+  </p:clrMapOvr>
+</p:sld>
+</file>
+
+<file path=ppt/slides/slide11.xml><?xml version="1.0" encoding="utf-8"?>
+<p:sld xmlns:a="http://schemas.openxmlformats.org/drawingml/2006/main" xmlns:r="http://schemas.openxmlformats.org/officeDocument/2006/relationships" xmlns:p="http://schemas.openxmlformats.org/presentationml/2006/main">
+  <p:cSld>
+    <p:spTree>
+      <p:nvGrpSpPr>
+        <p:cNvPr id="1" name=""/>
+        <p:cNvGrpSpPr/>
+        <p:nvPr/>
+      </p:nvGrpSpPr>
+      <p:grpSpPr>
+        <a:xfrm>
+          <a:off x="0" y="0"/>
+          <a:ext cx="0" cy="0"/>
+          <a:chOff x="0" y="0"/>
+          <a:chExt cx="0" cy="0"/>
+        </a:xfrm>
+      </p:grpSpPr>
+      <p:pic>
+        <p:nvPicPr>
+          <p:cNvPr id="4098" name="Picture 2"/>
+          <p:cNvPicPr>
+            <a:picLocks noChangeAspect="1" noChangeArrowheads="1"/>
+          </p:cNvPicPr>
+          <p:nvPr/>
+        </p:nvPicPr>
+        <p:blipFill>
+          <a:blip r:embed="rId2" cstate="print"/>
+          <a:srcRect/>
+          <a:stretch>
+            <a:fillRect/>
+          </a:stretch>
+        </p:blipFill>
+        <p:spPr bwMode="auto">
+          <a:xfrm>
+            <a:off x="-2988840" y="-171400"/>
+            <a:ext cx="15192375" cy="7210425"/>
+          </a:xfrm>
+          <a:prstGeom prst="rect">
+            <a:avLst/>
+          </a:prstGeom>
+          <a:noFill/>
+          <a:ln w="9525">
+            <a:noFill/>
+            <a:miter lim="800000"/>
+            <a:headEnd/>
+            <a:tailEnd/>
+          </a:ln>
+        </p:spPr>
+      </p:pic>
     </p:spTree>
   </p:cSld>
   <p:clrMapOvr>
@@ -17399,6 +17517,120 @@
 </p:sld>
 </file>
 
+<file path=ppt/slides/slide8.xml><?xml version="1.0" encoding="utf-8"?>
+<p:sld xmlns:a="http://schemas.openxmlformats.org/drawingml/2006/main" xmlns:r="http://schemas.openxmlformats.org/officeDocument/2006/relationships" xmlns:p="http://schemas.openxmlformats.org/presentationml/2006/main">
+  <p:cSld>
+    <p:spTree>
+      <p:nvGrpSpPr>
+        <p:cNvPr id="1" name=""/>
+        <p:cNvGrpSpPr/>
+        <p:nvPr/>
+      </p:nvGrpSpPr>
+      <p:grpSpPr>
+        <a:xfrm>
+          <a:off x="0" y="0"/>
+          <a:ext cx="0" cy="0"/>
+          <a:chOff x="0" y="0"/>
+          <a:chExt cx="0" cy="0"/>
+        </a:xfrm>
+      </p:grpSpPr>
+      <p:pic>
+        <p:nvPicPr>
+          <p:cNvPr id="1026" name="Picture 2"/>
+          <p:cNvPicPr>
+            <a:picLocks noChangeAspect="1" noChangeArrowheads="1"/>
+          </p:cNvPicPr>
+          <p:nvPr/>
+        </p:nvPicPr>
+        <p:blipFill>
+          <a:blip r:embed="rId2" cstate="print"/>
+          <a:srcRect/>
+          <a:stretch>
+            <a:fillRect/>
+          </a:stretch>
+        </p:blipFill>
+        <p:spPr bwMode="auto">
+          <a:xfrm>
+            <a:off x="-1908720" y="692696"/>
+            <a:ext cx="13039725" cy="5638800"/>
+          </a:xfrm>
+          <a:prstGeom prst="rect">
+            <a:avLst/>
+          </a:prstGeom>
+          <a:noFill/>
+          <a:ln w="9525">
+            <a:noFill/>
+            <a:miter lim="800000"/>
+            <a:headEnd/>
+            <a:tailEnd/>
+          </a:ln>
+        </p:spPr>
+      </p:pic>
+    </p:spTree>
+  </p:cSld>
+  <p:clrMapOvr>
+    <a:masterClrMapping/>
+  </p:clrMapOvr>
+</p:sld>
+</file>
+
+<file path=ppt/slides/slide9.xml><?xml version="1.0" encoding="utf-8"?>
+<p:sld xmlns:a="http://schemas.openxmlformats.org/drawingml/2006/main" xmlns:r="http://schemas.openxmlformats.org/officeDocument/2006/relationships" xmlns:p="http://schemas.openxmlformats.org/presentationml/2006/main">
+  <p:cSld>
+    <p:spTree>
+      <p:nvGrpSpPr>
+        <p:cNvPr id="1" name=""/>
+        <p:cNvGrpSpPr/>
+        <p:nvPr/>
+      </p:nvGrpSpPr>
+      <p:grpSpPr>
+        <a:xfrm>
+          <a:off x="0" y="0"/>
+          <a:ext cx="0" cy="0"/>
+          <a:chOff x="0" y="0"/>
+          <a:chExt cx="0" cy="0"/>
+        </a:xfrm>
+      </p:grpSpPr>
+      <p:pic>
+        <p:nvPicPr>
+          <p:cNvPr id="2050" name="Picture 2"/>
+          <p:cNvPicPr>
+            <a:picLocks noChangeAspect="1" noChangeArrowheads="1"/>
+          </p:cNvPicPr>
+          <p:nvPr/>
+        </p:nvPicPr>
+        <p:blipFill>
+          <a:blip r:embed="rId2" cstate="print"/>
+          <a:srcRect/>
+          <a:stretch>
+            <a:fillRect/>
+          </a:stretch>
+        </p:blipFill>
+        <p:spPr bwMode="auto">
+          <a:xfrm>
+            <a:off x="-2844824" y="0"/>
+            <a:ext cx="15230475" cy="7229475"/>
+          </a:xfrm>
+          <a:prstGeom prst="rect">
+            <a:avLst/>
+          </a:prstGeom>
+          <a:noFill/>
+          <a:ln w="9525">
+            <a:noFill/>
+            <a:miter lim="800000"/>
+            <a:headEnd/>
+            <a:tailEnd/>
+          </a:ln>
+        </p:spPr>
+      </p:pic>
+    </p:spTree>
+  </p:cSld>
+  <p:clrMapOvr>
+    <a:masterClrMapping/>
+  </p:clrMapOvr>
+</p:sld>
+</file>
+
 <file path=ppt/theme/theme1.xml><?xml version="1.0" encoding="utf-8"?>
 <a:theme xmlns:a="http://schemas.openxmlformats.org/drawingml/2006/main" name="Ofis Teması">
   <a:themeElements>
